--- a/ppt 16-9/0417.踏上福音的路程.pptx
+++ b/ppt 16-9/0417.踏上福音的路程.pptx
@@ -129,7 +129,7 @@
           <p:cNvPr id="2" name="标题 1">
             <a:extLst>
               <a:ext uri="{FF2B5EF4-FFF2-40B4-BE49-F238E27FC236}">
-                <a16:creationId xmlns:a16="http://schemas.microsoft.com/office/drawing/2014/main" id="{20858E59-16FE-787C-5D3A-1BA86C0FEE6E}"/>
+                <a16:creationId xmlns:a16="http://schemas.microsoft.com/office/drawing/2014/main" id="{BD82F446-CBF1-DB1C-8913-9EDD8E5D11C3}"/>
               </a:ext>
             </a:extLst>
           </p:cNvPr>
@@ -166,7 +166,7 @@
           <p:cNvPr id="3" name="副标题 2">
             <a:extLst>
               <a:ext uri="{FF2B5EF4-FFF2-40B4-BE49-F238E27FC236}">
-                <a16:creationId xmlns:a16="http://schemas.microsoft.com/office/drawing/2014/main" id="{9FB2B3AB-16B8-DA57-4035-BD65F2AC7C1A}"/>
+                <a16:creationId xmlns:a16="http://schemas.microsoft.com/office/drawing/2014/main" id="{3625D9D9-3DA8-6E33-0E48-E077DD1CA76E}"/>
               </a:ext>
             </a:extLst>
           </p:cNvPr>
@@ -236,7 +236,7 @@
           <p:cNvPr id="4" name="日期占位符 3">
             <a:extLst>
               <a:ext uri="{FF2B5EF4-FFF2-40B4-BE49-F238E27FC236}">
-                <a16:creationId xmlns:a16="http://schemas.microsoft.com/office/drawing/2014/main" id="{D769A44B-514A-62BE-3CE9-3C4C8B63FCC1}"/>
+                <a16:creationId xmlns:a16="http://schemas.microsoft.com/office/drawing/2014/main" id="{1732BBC5-B632-B462-BBBC-3C6D19421D3B}"/>
               </a:ext>
             </a:extLst>
           </p:cNvPr>
@@ -252,7 +252,7 @@
           <a:bodyPr/>
           <a:lstStyle/>
           <a:p>
-            <a:fld id="{278A5455-5AAE-489A-A8BF-C31CE436D776}" type="datetimeFigureOut">
+            <a:fld id="{B7F0904C-055E-4899-83A9-DC4A220E4088}" type="datetimeFigureOut">
               <a:rPr lang="zh-CN" altLang="en-US" smtClean="0"/>
               <a:t>2024/3/10</a:t>
             </a:fld>
@@ -265,7 +265,7 @@
           <p:cNvPr id="5" name="页脚占位符 4">
             <a:extLst>
               <a:ext uri="{FF2B5EF4-FFF2-40B4-BE49-F238E27FC236}">
-                <a16:creationId xmlns:a16="http://schemas.microsoft.com/office/drawing/2014/main" id="{2947C29A-E186-773C-2C20-AE7EA8C31C81}"/>
+                <a16:creationId xmlns:a16="http://schemas.microsoft.com/office/drawing/2014/main" id="{925980E4-35FF-9404-488D-B888D0629469}"/>
               </a:ext>
             </a:extLst>
           </p:cNvPr>
@@ -290,7 +290,7 @@
           <p:cNvPr id="6" name="灯片编号占位符 5">
             <a:extLst>
               <a:ext uri="{FF2B5EF4-FFF2-40B4-BE49-F238E27FC236}">
-                <a16:creationId xmlns:a16="http://schemas.microsoft.com/office/drawing/2014/main" id="{37806A30-1672-B200-0B46-83B8F58B7D80}"/>
+                <a16:creationId xmlns:a16="http://schemas.microsoft.com/office/drawing/2014/main" id="{1EB24E4E-A8E7-78ED-2CA3-49243BCDB924}"/>
               </a:ext>
             </a:extLst>
           </p:cNvPr>
@@ -306,7 +306,7 @@
           <a:bodyPr/>
           <a:lstStyle/>
           <a:p>
-            <a:fld id="{1E23405B-061B-419D-BD51-52C0676FF025}" type="slidenum">
+            <a:fld id="{FF43149C-9896-4732-AE9C-753831510A65}" type="slidenum">
               <a:rPr lang="zh-CN" altLang="en-US" smtClean="0"/>
               <a:t>‹#›</a:t>
             </a:fld>
@@ -317,7 +317,7 @@
     </p:spTree>
     <p:extLst>
       <p:ext uri="{BB962C8B-B14F-4D97-AF65-F5344CB8AC3E}">
-        <p14:creationId xmlns:p14="http://schemas.microsoft.com/office/powerpoint/2010/main" val="942982046"/>
+        <p14:creationId xmlns:p14="http://schemas.microsoft.com/office/powerpoint/2010/main" val="1527611534"/>
       </p:ext>
     </p:extLst>
   </p:cSld>
@@ -349,7 +349,7 @@
           <p:cNvPr id="2" name="标题 1">
             <a:extLst>
               <a:ext uri="{FF2B5EF4-FFF2-40B4-BE49-F238E27FC236}">
-                <a16:creationId xmlns:a16="http://schemas.microsoft.com/office/drawing/2014/main" id="{A44502C3-02E9-9D91-A870-429B2F0A3D74}"/>
+                <a16:creationId xmlns:a16="http://schemas.microsoft.com/office/drawing/2014/main" id="{26316C11-B11B-C564-2F75-47E75743396A}"/>
               </a:ext>
             </a:extLst>
           </p:cNvPr>
@@ -377,7 +377,7 @@
           <p:cNvPr id="3" name="竖排文字占位符 2">
             <a:extLst>
               <a:ext uri="{FF2B5EF4-FFF2-40B4-BE49-F238E27FC236}">
-                <a16:creationId xmlns:a16="http://schemas.microsoft.com/office/drawing/2014/main" id="{1BE19984-59A1-BFE1-4955-77C7F29F9A9C}"/>
+                <a16:creationId xmlns:a16="http://schemas.microsoft.com/office/drawing/2014/main" id="{FC452A77-6B68-B068-40FB-250AAB745D2F}"/>
               </a:ext>
             </a:extLst>
           </p:cNvPr>
@@ -434,7 +434,7 @@
           <p:cNvPr id="4" name="日期占位符 3">
             <a:extLst>
               <a:ext uri="{FF2B5EF4-FFF2-40B4-BE49-F238E27FC236}">
-                <a16:creationId xmlns:a16="http://schemas.microsoft.com/office/drawing/2014/main" id="{1F7644DA-1D2D-DB7B-D5A3-151D113CDA4F}"/>
+                <a16:creationId xmlns:a16="http://schemas.microsoft.com/office/drawing/2014/main" id="{CAA78220-39EC-11F6-5CAF-1EAE45CFDF4B}"/>
               </a:ext>
             </a:extLst>
           </p:cNvPr>
@@ -450,7 +450,7 @@
           <a:bodyPr/>
           <a:lstStyle/>
           <a:p>
-            <a:fld id="{278A5455-5AAE-489A-A8BF-C31CE436D776}" type="datetimeFigureOut">
+            <a:fld id="{B7F0904C-055E-4899-83A9-DC4A220E4088}" type="datetimeFigureOut">
               <a:rPr lang="zh-CN" altLang="en-US" smtClean="0"/>
               <a:t>2024/3/10</a:t>
             </a:fld>
@@ -463,7 +463,7 @@
           <p:cNvPr id="5" name="页脚占位符 4">
             <a:extLst>
               <a:ext uri="{FF2B5EF4-FFF2-40B4-BE49-F238E27FC236}">
-                <a16:creationId xmlns:a16="http://schemas.microsoft.com/office/drawing/2014/main" id="{B1E6E5EB-20BC-4D7D-3640-468DAADBFCE5}"/>
+                <a16:creationId xmlns:a16="http://schemas.microsoft.com/office/drawing/2014/main" id="{2CD8A068-F2E1-40A5-51A7-D7DDA563777A}"/>
               </a:ext>
             </a:extLst>
           </p:cNvPr>
@@ -488,7 +488,7 @@
           <p:cNvPr id="6" name="灯片编号占位符 5">
             <a:extLst>
               <a:ext uri="{FF2B5EF4-FFF2-40B4-BE49-F238E27FC236}">
-                <a16:creationId xmlns:a16="http://schemas.microsoft.com/office/drawing/2014/main" id="{E7B2DE31-DFEB-6D46-2207-B16B967A4EAC}"/>
+                <a16:creationId xmlns:a16="http://schemas.microsoft.com/office/drawing/2014/main" id="{20F18741-DE69-2BE0-DA04-B8B57405437C}"/>
               </a:ext>
             </a:extLst>
           </p:cNvPr>
@@ -504,7 +504,7 @@
           <a:bodyPr/>
           <a:lstStyle/>
           <a:p>
-            <a:fld id="{1E23405B-061B-419D-BD51-52C0676FF025}" type="slidenum">
+            <a:fld id="{FF43149C-9896-4732-AE9C-753831510A65}" type="slidenum">
               <a:rPr lang="zh-CN" altLang="en-US" smtClean="0"/>
               <a:t>‹#›</a:t>
             </a:fld>
@@ -515,7 +515,7 @@
     </p:spTree>
     <p:extLst>
       <p:ext uri="{BB962C8B-B14F-4D97-AF65-F5344CB8AC3E}">
-        <p14:creationId xmlns:p14="http://schemas.microsoft.com/office/powerpoint/2010/main" val="3195933428"/>
+        <p14:creationId xmlns:p14="http://schemas.microsoft.com/office/powerpoint/2010/main" val="320245222"/>
       </p:ext>
     </p:extLst>
   </p:cSld>
@@ -547,7 +547,7 @@
           <p:cNvPr id="2" name="竖排标题 1">
             <a:extLst>
               <a:ext uri="{FF2B5EF4-FFF2-40B4-BE49-F238E27FC236}">
-                <a16:creationId xmlns:a16="http://schemas.microsoft.com/office/drawing/2014/main" id="{C71E17AB-8C85-328E-B13A-74C2142A4838}"/>
+                <a16:creationId xmlns:a16="http://schemas.microsoft.com/office/drawing/2014/main" id="{53FA79BE-82A7-6388-3E89-BEE2225178FD}"/>
               </a:ext>
             </a:extLst>
           </p:cNvPr>
@@ -580,7 +580,7 @@
           <p:cNvPr id="3" name="竖排文字占位符 2">
             <a:extLst>
               <a:ext uri="{FF2B5EF4-FFF2-40B4-BE49-F238E27FC236}">
-                <a16:creationId xmlns:a16="http://schemas.microsoft.com/office/drawing/2014/main" id="{73BA1723-5D87-064A-0646-1ACE0028C0AF}"/>
+                <a16:creationId xmlns:a16="http://schemas.microsoft.com/office/drawing/2014/main" id="{9A410CEC-5DB1-6DE8-3DDD-D8C1A88C97CF}"/>
               </a:ext>
             </a:extLst>
           </p:cNvPr>
@@ -642,7 +642,7 @@
           <p:cNvPr id="4" name="日期占位符 3">
             <a:extLst>
               <a:ext uri="{FF2B5EF4-FFF2-40B4-BE49-F238E27FC236}">
-                <a16:creationId xmlns:a16="http://schemas.microsoft.com/office/drawing/2014/main" id="{89996ECC-48BF-F6A6-CA47-04D948ACB59A}"/>
+                <a16:creationId xmlns:a16="http://schemas.microsoft.com/office/drawing/2014/main" id="{07440AEC-7335-330B-4213-F820E5380227}"/>
               </a:ext>
             </a:extLst>
           </p:cNvPr>
@@ -658,7 +658,7 @@
           <a:bodyPr/>
           <a:lstStyle/>
           <a:p>
-            <a:fld id="{278A5455-5AAE-489A-A8BF-C31CE436D776}" type="datetimeFigureOut">
+            <a:fld id="{B7F0904C-055E-4899-83A9-DC4A220E4088}" type="datetimeFigureOut">
               <a:rPr lang="zh-CN" altLang="en-US" smtClean="0"/>
               <a:t>2024/3/10</a:t>
             </a:fld>
@@ -671,7 +671,7 @@
           <p:cNvPr id="5" name="页脚占位符 4">
             <a:extLst>
               <a:ext uri="{FF2B5EF4-FFF2-40B4-BE49-F238E27FC236}">
-                <a16:creationId xmlns:a16="http://schemas.microsoft.com/office/drawing/2014/main" id="{7BF8FFAA-E906-0740-F725-19C24B4B0A21}"/>
+                <a16:creationId xmlns:a16="http://schemas.microsoft.com/office/drawing/2014/main" id="{1DA3992B-5EC7-5C9E-998F-3CDB11CF9219}"/>
               </a:ext>
             </a:extLst>
           </p:cNvPr>
@@ -696,7 +696,7 @@
           <p:cNvPr id="6" name="灯片编号占位符 5">
             <a:extLst>
               <a:ext uri="{FF2B5EF4-FFF2-40B4-BE49-F238E27FC236}">
-                <a16:creationId xmlns:a16="http://schemas.microsoft.com/office/drawing/2014/main" id="{33C1B14C-0A18-D2BC-262E-B00856A2902D}"/>
+                <a16:creationId xmlns:a16="http://schemas.microsoft.com/office/drawing/2014/main" id="{1D040CA4-4350-77C7-D618-96900030B884}"/>
               </a:ext>
             </a:extLst>
           </p:cNvPr>
@@ -712,7 +712,7 @@
           <a:bodyPr/>
           <a:lstStyle/>
           <a:p>
-            <a:fld id="{1E23405B-061B-419D-BD51-52C0676FF025}" type="slidenum">
+            <a:fld id="{FF43149C-9896-4732-AE9C-753831510A65}" type="slidenum">
               <a:rPr lang="zh-CN" altLang="en-US" smtClean="0"/>
               <a:t>‹#›</a:t>
             </a:fld>
@@ -723,7 +723,7 @@
     </p:spTree>
     <p:extLst>
       <p:ext uri="{BB962C8B-B14F-4D97-AF65-F5344CB8AC3E}">
-        <p14:creationId xmlns:p14="http://schemas.microsoft.com/office/powerpoint/2010/main" val="3170308518"/>
+        <p14:creationId xmlns:p14="http://schemas.microsoft.com/office/powerpoint/2010/main" val="1186919930"/>
       </p:ext>
     </p:extLst>
   </p:cSld>
@@ -755,7 +755,7 @@
           <p:cNvPr id="2" name="标题 1">
             <a:extLst>
               <a:ext uri="{FF2B5EF4-FFF2-40B4-BE49-F238E27FC236}">
-                <a16:creationId xmlns:a16="http://schemas.microsoft.com/office/drawing/2014/main" id="{8C9C950E-BB62-02B9-18BA-5A2793122C18}"/>
+                <a16:creationId xmlns:a16="http://schemas.microsoft.com/office/drawing/2014/main" id="{A4DB1711-0CE7-2E78-3B26-1E00CC8D9A84}"/>
               </a:ext>
             </a:extLst>
           </p:cNvPr>
@@ -783,7 +783,7 @@
           <p:cNvPr id="3" name="内容占位符 2">
             <a:extLst>
               <a:ext uri="{FF2B5EF4-FFF2-40B4-BE49-F238E27FC236}">
-                <a16:creationId xmlns:a16="http://schemas.microsoft.com/office/drawing/2014/main" id="{862BCBFE-EC34-D592-7A91-E3FB5409DB8F}"/>
+                <a16:creationId xmlns:a16="http://schemas.microsoft.com/office/drawing/2014/main" id="{8E17D79D-3BBC-AAE5-E5D5-97FAD19D4B62}"/>
               </a:ext>
             </a:extLst>
           </p:cNvPr>
@@ -840,7 +840,7 @@
           <p:cNvPr id="4" name="日期占位符 3">
             <a:extLst>
               <a:ext uri="{FF2B5EF4-FFF2-40B4-BE49-F238E27FC236}">
-                <a16:creationId xmlns:a16="http://schemas.microsoft.com/office/drawing/2014/main" id="{21A744B0-4B07-50AF-9712-205C3CAE54A4}"/>
+                <a16:creationId xmlns:a16="http://schemas.microsoft.com/office/drawing/2014/main" id="{E9534A9E-3D8D-B014-43F6-9454721D837C}"/>
               </a:ext>
             </a:extLst>
           </p:cNvPr>
@@ -856,7 +856,7 @@
           <a:bodyPr/>
           <a:lstStyle/>
           <a:p>
-            <a:fld id="{278A5455-5AAE-489A-A8BF-C31CE436D776}" type="datetimeFigureOut">
+            <a:fld id="{B7F0904C-055E-4899-83A9-DC4A220E4088}" type="datetimeFigureOut">
               <a:rPr lang="zh-CN" altLang="en-US" smtClean="0"/>
               <a:t>2024/3/10</a:t>
             </a:fld>
@@ -869,7 +869,7 @@
           <p:cNvPr id="5" name="页脚占位符 4">
             <a:extLst>
               <a:ext uri="{FF2B5EF4-FFF2-40B4-BE49-F238E27FC236}">
-                <a16:creationId xmlns:a16="http://schemas.microsoft.com/office/drawing/2014/main" id="{70D30842-6532-980C-3B8F-C97DC5053F14}"/>
+                <a16:creationId xmlns:a16="http://schemas.microsoft.com/office/drawing/2014/main" id="{A2C6DDE0-728F-BD2E-CB83-649F4ED14934}"/>
               </a:ext>
             </a:extLst>
           </p:cNvPr>
@@ -894,7 +894,7 @@
           <p:cNvPr id="6" name="灯片编号占位符 5">
             <a:extLst>
               <a:ext uri="{FF2B5EF4-FFF2-40B4-BE49-F238E27FC236}">
-                <a16:creationId xmlns:a16="http://schemas.microsoft.com/office/drawing/2014/main" id="{3899595D-D193-7755-FC5C-1E3DEA4C9BB2}"/>
+                <a16:creationId xmlns:a16="http://schemas.microsoft.com/office/drawing/2014/main" id="{8F951225-A4B4-A0EC-302F-212316A1C58A}"/>
               </a:ext>
             </a:extLst>
           </p:cNvPr>
@@ -910,7 +910,7 @@
           <a:bodyPr/>
           <a:lstStyle/>
           <a:p>
-            <a:fld id="{1E23405B-061B-419D-BD51-52C0676FF025}" type="slidenum">
+            <a:fld id="{FF43149C-9896-4732-AE9C-753831510A65}" type="slidenum">
               <a:rPr lang="zh-CN" altLang="en-US" smtClean="0"/>
               <a:t>‹#›</a:t>
             </a:fld>
@@ -921,7 +921,7 @@
     </p:spTree>
     <p:extLst>
       <p:ext uri="{BB962C8B-B14F-4D97-AF65-F5344CB8AC3E}">
-        <p14:creationId xmlns:p14="http://schemas.microsoft.com/office/powerpoint/2010/main" val="2451894924"/>
+        <p14:creationId xmlns:p14="http://schemas.microsoft.com/office/powerpoint/2010/main" val="731354989"/>
       </p:ext>
     </p:extLst>
   </p:cSld>
@@ -953,7 +953,7 @@
           <p:cNvPr id="2" name="标题 1">
             <a:extLst>
               <a:ext uri="{FF2B5EF4-FFF2-40B4-BE49-F238E27FC236}">
-                <a16:creationId xmlns:a16="http://schemas.microsoft.com/office/drawing/2014/main" id="{7F9C02EA-AD40-9D17-3AAA-2D190DFB1F68}"/>
+                <a16:creationId xmlns:a16="http://schemas.microsoft.com/office/drawing/2014/main" id="{D50A3248-DF59-A817-3E2C-8F8BBCBB3681}"/>
               </a:ext>
             </a:extLst>
           </p:cNvPr>
@@ -990,7 +990,7 @@
           <p:cNvPr id="3" name="文本占位符 2">
             <a:extLst>
               <a:ext uri="{FF2B5EF4-FFF2-40B4-BE49-F238E27FC236}">
-                <a16:creationId xmlns:a16="http://schemas.microsoft.com/office/drawing/2014/main" id="{E924169D-3B53-8360-4A5B-3A2B0C4F9EE9}"/>
+                <a16:creationId xmlns:a16="http://schemas.microsoft.com/office/drawing/2014/main" id="{351FFE6C-77DE-1698-3350-7A5B24FEC083}"/>
               </a:ext>
             </a:extLst>
           </p:cNvPr>
@@ -1115,7 +1115,7 @@
           <p:cNvPr id="4" name="日期占位符 3">
             <a:extLst>
               <a:ext uri="{FF2B5EF4-FFF2-40B4-BE49-F238E27FC236}">
-                <a16:creationId xmlns:a16="http://schemas.microsoft.com/office/drawing/2014/main" id="{F8B46746-8982-8ED5-7B21-9BE9A5CB7DD7}"/>
+                <a16:creationId xmlns:a16="http://schemas.microsoft.com/office/drawing/2014/main" id="{4A0A805C-632A-A4FA-4C7F-B7272DFBAC14}"/>
               </a:ext>
             </a:extLst>
           </p:cNvPr>
@@ -1131,7 +1131,7 @@
           <a:bodyPr/>
           <a:lstStyle/>
           <a:p>
-            <a:fld id="{278A5455-5AAE-489A-A8BF-C31CE436D776}" type="datetimeFigureOut">
+            <a:fld id="{B7F0904C-055E-4899-83A9-DC4A220E4088}" type="datetimeFigureOut">
               <a:rPr lang="zh-CN" altLang="en-US" smtClean="0"/>
               <a:t>2024/3/10</a:t>
             </a:fld>
@@ -1144,7 +1144,7 @@
           <p:cNvPr id="5" name="页脚占位符 4">
             <a:extLst>
               <a:ext uri="{FF2B5EF4-FFF2-40B4-BE49-F238E27FC236}">
-                <a16:creationId xmlns:a16="http://schemas.microsoft.com/office/drawing/2014/main" id="{7BF4CFD6-EED8-073E-5D73-C230217E9132}"/>
+                <a16:creationId xmlns:a16="http://schemas.microsoft.com/office/drawing/2014/main" id="{A69DF0EA-D23E-1108-545F-2AF903A89200}"/>
               </a:ext>
             </a:extLst>
           </p:cNvPr>
@@ -1169,7 +1169,7 @@
           <p:cNvPr id="6" name="灯片编号占位符 5">
             <a:extLst>
               <a:ext uri="{FF2B5EF4-FFF2-40B4-BE49-F238E27FC236}">
-                <a16:creationId xmlns:a16="http://schemas.microsoft.com/office/drawing/2014/main" id="{BD2BDED5-5E25-1E74-5840-0B780925D43F}"/>
+                <a16:creationId xmlns:a16="http://schemas.microsoft.com/office/drawing/2014/main" id="{614F4145-17E5-F788-75D6-01DEE71655E9}"/>
               </a:ext>
             </a:extLst>
           </p:cNvPr>
@@ -1185,7 +1185,7 @@
           <a:bodyPr/>
           <a:lstStyle/>
           <a:p>
-            <a:fld id="{1E23405B-061B-419D-BD51-52C0676FF025}" type="slidenum">
+            <a:fld id="{FF43149C-9896-4732-AE9C-753831510A65}" type="slidenum">
               <a:rPr lang="zh-CN" altLang="en-US" smtClean="0"/>
               <a:t>‹#›</a:t>
             </a:fld>
@@ -1196,7 +1196,7 @@
     </p:spTree>
     <p:extLst>
       <p:ext uri="{BB962C8B-B14F-4D97-AF65-F5344CB8AC3E}">
-        <p14:creationId xmlns:p14="http://schemas.microsoft.com/office/powerpoint/2010/main" val="2965344496"/>
+        <p14:creationId xmlns:p14="http://schemas.microsoft.com/office/powerpoint/2010/main" val="2769843406"/>
       </p:ext>
     </p:extLst>
   </p:cSld>
@@ -1228,7 +1228,7 @@
           <p:cNvPr id="2" name="标题 1">
             <a:extLst>
               <a:ext uri="{FF2B5EF4-FFF2-40B4-BE49-F238E27FC236}">
-                <a16:creationId xmlns:a16="http://schemas.microsoft.com/office/drawing/2014/main" id="{327F9463-76C9-F682-3124-4A3A5D8D8744}"/>
+                <a16:creationId xmlns:a16="http://schemas.microsoft.com/office/drawing/2014/main" id="{13466807-4FA5-067E-5E5B-76BA33598AAF}"/>
               </a:ext>
             </a:extLst>
           </p:cNvPr>
@@ -1256,7 +1256,7 @@
           <p:cNvPr id="3" name="内容占位符 2">
             <a:extLst>
               <a:ext uri="{FF2B5EF4-FFF2-40B4-BE49-F238E27FC236}">
-                <a16:creationId xmlns:a16="http://schemas.microsoft.com/office/drawing/2014/main" id="{3E30C52E-0C4F-B8DD-2EEB-51C22182FAB3}"/>
+                <a16:creationId xmlns:a16="http://schemas.microsoft.com/office/drawing/2014/main" id="{ABE5E2C7-F9A7-A208-27C2-87077F06A16B}"/>
               </a:ext>
             </a:extLst>
           </p:cNvPr>
@@ -1318,7 +1318,7 @@
           <p:cNvPr id="4" name="内容占位符 3">
             <a:extLst>
               <a:ext uri="{FF2B5EF4-FFF2-40B4-BE49-F238E27FC236}">
-                <a16:creationId xmlns:a16="http://schemas.microsoft.com/office/drawing/2014/main" id="{9A03E053-6A8F-9DCD-B969-18E9C05FBBFA}"/>
+                <a16:creationId xmlns:a16="http://schemas.microsoft.com/office/drawing/2014/main" id="{AA9EA190-3211-9F87-7E65-8E0A8BAA83D0}"/>
               </a:ext>
             </a:extLst>
           </p:cNvPr>
@@ -1380,7 +1380,7 @@
           <p:cNvPr id="5" name="日期占位符 4">
             <a:extLst>
               <a:ext uri="{FF2B5EF4-FFF2-40B4-BE49-F238E27FC236}">
-                <a16:creationId xmlns:a16="http://schemas.microsoft.com/office/drawing/2014/main" id="{F78EACFC-B77A-60A2-79C8-E4EE15E8C586}"/>
+                <a16:creationId xmlns:a16="http://schemas.microsoft.com/office/drawing/2014/main" id="{B3BD57A9-BE76-CC45-764D-79399E63652D}"/>
               </a:ext>
             </a:extLst>
           </p:cNvPr>
@@ -1396,7 +1396,7 @@
           <a:bodyPr/>
           <a:lstStyle/>
           <a:p>
-            <a:fld id="{278A5455-5AAE-489A-A8BF-C31CE436D776}" type="datetimeFigureOut">
+            <a:fld id="{B7F0904C-055E-4899-83A9-DC4A220E4088}" type="datetimeFigureOut">
               <a:rPr lang="zh-CN" altLang="en-US" smtClean="0"/>
               <a:t>2024/3/10</a:t>
             </a:fld>
@@ -1409,7 +1409,7 @@
           <p:cNvPr id="6" name="页脚占位符 5">
             <a:extLst>
               <a:ext uri="{FF2B5EF4-FFF2-40B4-BE49-F238E27FC236}">
-                <a16:creationId xmlns:a16="http://schemas.microsoft.com/office/drawing/2014/main" id="{D5FE4730-07F9-DDAA-FB91-AD5FEB792FFC}"/>
+                <a16:creationId xmlns:a16="http://schemas.microsoft.com/office/drawing/2014/main" id="{6FB9D9E8-58AD-DF1E-7D8E-EFF496CFDE07}"/>
               </a:ext>
             </a:extLst>
           </p:cNvPr>
@@ -1434,7 +1434,7 @@
           <p:cNvPr id="7" name="灯片编号占位符 6">
             <a:extLst>
               <a:ext uri="{FF2B5EF4-FFF2-40B4-BE49-F238E27FC236}">
-                <a16:creationId xmlns:a16="http://schemas.microsoft.com/office/drawing/2014/main" id="{10ADCD53-DBDB-E6F4-D555-77BF30A41244}"/>
+                <a16:creationId xmlns:a16="http://schemas.microsoft.com/office/drawing/2014/main" id="{8BE8E28D-82E8-A143-2767-60F33737145E}"/>
               </a:ext>
             </a:extLst>
           </p:cNvPr>
@@ -1450,7 +1450,7 @@
           <a:bodyPr/>
           <a:lstStyle/>
           <a:p>
-            <a:fld id="{1E23405B-061B-419D-BD51-52C0676FF025}" type="slidenum">
+            <a:fld id="{FF43149C-9896-4732-AE9C-753831510A65}" type="slidenum">
               <a:rPr lang="zh-CN" altLang="en-US" smtClean="0"/>
               <a:t>‹#›</a:t>
             </a:fld>
@@ -1461,7 +1461,7 @@
     </p:spTree>
     <p:extLst>
       <p:ext uri="{BB962C8B-B14F-4D97-AF65-F5344CB8AC3E}">
-        <p14:creationId xmlns:p14="http://schemas.microsoft.com/office/powerpoint/2010/main" val="2614408875"/>
+        <p14:creationId xmlns:p14="http://schemas.microsoft.com/office/powerpoint/2010/main" val="4233515129"/>
       </p:ext>
     </p:extLst>
   </p:cSld>
@@ -1493,7 +1493,7 @@
           <p:cNvPr id="2" name="标题 1">
             <a:extLst>
               <a:ext uri="{FF2B5EF4-FFF2-40B4-BE49-F238E27FC236}">
-                <a16:creationId xmlns:a16="http://schemas.microsoft.com/office/drawing/2014/main" id="{B1E9AFC7-2366-6B92-CDAF-B0B9417F3AA0}"/>
+                <a16:creationId xmlns:a16="http://schemas.microsoft.com/office/drawing/2014/main" id="{64EB2823-F083-1839-7FFE-C215B0E23810}"/>
               </a:ext>
             </a:extLst>
           </p:cNvPr>
@@ -1526,7 +1526,7 @@
           <p:cNvPr id="3" name="文本占位符 2">
             <a:extLst>
               <a:ext uri="{FF2B5EF4-FFF2-40B4-BE49-F238E27FC236}">
-                <a16:creationId xmlns:a16="http://schemas.microsoft.com/office/drawing/2014/main" id="{87C0C267-EC71-8A6E-654A-AA41D49036D4}"/>
+                <a16:creationId xmlns:a16="http://schemas.microsoft.com/office/drawing/2014/main" id="{40E2C926-50D5-610A-67B0-D571C77C5554}"/>
               </a:ext>
             </a:extLst>
           </p:cNvPr>
@@ -1597,7 +1597,7 @@
           <p:cNvPr id="4" name="内容占位符 3">
             <a:extLst>
               <a:ext uri="{FF2B5EF4-FFF2-40B4-BE49-F238E27FC236}">
-                <a16:creationId xmlns:a16="http://schemas.microsoft.com/office/drawing/2014/main" id="{41CB0732-0057-033C-2D1C-69C03DD1386D}"/>
+                <a16:creationId xmlns:a16="http://schemas.microsoft.com/office/drawing/2014/main" id="{53E637AB-66C7-7598-4740-350E882F0881}"/>
               </a:ext>
             </a:extLst>
           </p:cNvPr>
@@ -1659,7 +1659,7 @@
           <p:cNvPr id="5" name="文本占位符 4">
             <a:extLst>
               <a:ext uri="{FF2B5EF4-FFF2-40B4-BE49-F238E27FC236}">
-                <a16:creationId xmlns:a16="http://schemas.microsoft.com/office/drawing/2014/main" id="{DF6ED207-BD0F-CD25-9DB6-B753FDF2EF14}"/>
+                <a16:creationId xmlns:a16="http://schemas.microsoft.com/office/drawing/2014/main" id="{91830C3B-B6BF-228D-4ECB-A9161B78E810}"/>
               </a:ext>
             </a:extLst>
           </p:cNvPr>
@@ -1730,7 +1730,7 @@
           <p:cNvPr id="6" name="内容占位符 5">
             <a:extLst>
               <a:ext uri="{FF2B5EF4-FFF2-40B4-BE49-F238E27FC236}">
-                <a16:creationId xmlns:a16="http://schemas.microsoft.com/office/drawing/2014/main" id="{97693F2B-2A85-2098-6350-12B3B7B3C84F}"/>
+                <a16:creationId xmlns:a16="http://schemas.microsoft.com/office/drawing/2014/main" id="{B5BE233D-3806-B2D5-B92B-1E45683955FA}"/>
               </a:ext>
             </a:extLst>
           </p:cNvPr>
@@ -1792,7 +1792,7 @@
           <p:cNvPr id="7" name="日期占位符 6">
             <a:extLst>
               <a:ext uri="{FF2B5EF4-FFF2-40B4-BE49-F238E27FC236}">
-                <a16:creationId xmlns:a16="http://schemas.microsoft.com/office/drawing/2014/main" id="{989959A3-75A3-D0C0-9E80-D3B3B8D16630}"/>
+                <a16:creationId xmlns:a16="http://schemas.microsoft.com/office/drawing/2014/main" id="{ECEF6A30-55BE-A11B-C05D-3608A269642C}"/>
               </a:ext>
             </a:extLst>
           </p:cNvPr>
@@ -1808,7 +1808,7 @@
           <a:bodyPr/>
           <a:lstStyle/>
           <a:p>
-            <a:fld id="{278A5455-5AAE-489A-A8BF-C31CE436D776}" type="datetimeFigureOut">
+            <a:fld id="{B7F0904C-055E-4899-83A9-DC4A220E4088}" type="datetimeFigureOut">
               <a:rPr lang="zh-CN" altLang="en-US" smtClean="0"/>
               <a:t>2024/3/10</a:t>
             </a:fld>
@@ -1821,7 +1821,7 @@
           <p:cNvPr id="8" name="页脚占位符 7">
             <a:extLst>
               <a:ext uri="{FF2B5EF4-FFF2-40B4-BE49-F238E27FC236}">
-                <a16:creationId xmlns:a16="http://schemas.microsoft.com/office/drawing/2014/main" id="{B15FF47F-08ED-9BCC-5341-F2C1CAE0157F}"/>
+                <a16:creationId xmlns:a16="http://schemas.microsoft.com/office/drawing/2014/main" id="{6502D63F-3C29-A0F9-7AA9-B46CB268E79E}"/>
               </a:ext>
             </a:extLst>
           </p:cNvPr>
@@ -1846,7 +1846,7 @@
           <p:cNvPr id="9" name="灯片编号占位符 8">
             <a:extLst>
               <a:ext uri="{FF2B5EF4-FFF2-40B4-BE49-F238E27FC236}">
-                <a16:creationId xmlns:a16="http://schemas.microsoft.com/office/drawing/2014/main" id="{409DF5E2-EC23-618F-B68C-659811665E86}"/>
+                <a16:creationId xmlns:a16="http://schemas.microsoft.com/office/drawing/2014/main" id="{CCEA07C8-0CA7-8AC3-F3E9-C99FD3ABA557}"/>
               </a:ext>
             </a:extLst>
           </p:cNvPr>
@@ -1862,7 +1862,7 @@
           <a:bodyPr/>
           <a:lstStyle/>
           <a:p>
-            <a:fld id="{1E23405B-061B-419D-BD51-52C0676FF025}" type="slidenum">
+            <a:fld id="{FF43149C-9896-4732-AE9C-753831510A65}" type="slidenum">
               <a:rPr lang="zh-CN" altLang="en-US" smtClean="0"/>
               <a:t>‹#›</a:t>
             </a:fld>
@@ -1873,7 +1873,7 @@
     </p:spTree>
     <p:extLst>
       <p:ext uri="{BB962C8B-B14F-4D97-AF65-F5344CB8AC3E}">
-        <p14:creationId xmlns:p14="http://schemas.microsoft.com/office/powerpoint/2010/main" val="2040303217"/>
+        <p14:creationId xmlns:p14="http://schemas.microsoft.com/office/powerpoint/2010/main" val="1343810835"/>
       </p:ext>
     </p:extLst>
   </p:cSld>
@@ -1905,7 +1905,7 @@
           <p:cNvPr id="2" name="标题 1">
             <a:extLst>
               <a:ext uri="{FF2B5EF4-FFF2-40B4-BE49-F238E27FC236}">
-                <a16:creationId xmlns:a16="http://schemas.microsoft.com/office/drawing/2014/main" id="{77B92CB8-1BFD-9CE1-B60E-5CEB25E949B8}"/>
+                <a16:creationId xmlns:a16="http://schemas.microsoft.com/office/drawing/2014/main" id="{A4EDB0D7-48CE-3105-EAB5-7B0AAA2C80AA}"/>
               </a:ext>
             </a:extLst>
           </p:cNvPr>
@@ -1933,7 +1933,7 @@
           <p:cNvPr id="3" name="日期占位符 2">
             <a:extLst>
               <a:ext uri="{FF2B5EF4-FFF2-40B4-BE49-F238E27FC236}">
-                <a16:creationId xmlns:a16="http://schemas.microsoft.com/office/drawing/2014/main" id="{D6F10DA0-FB28-AE69-3257-E0FC636758EE}"/>
+                <a16:creationId xmlns:a16="http://schemas.microsoft.com/office/drawing/2014/main" id="{76B06165-22AF-4B0C-3696-4D7A1E77865A}"/>
               </a:ext>
             </a:extLst>
           </p:cNvPr>
@@ -1949,7 +1949,7 @@
           <a:bodyPr/>
           <a:lstStyle/>
           <a:p>
-            <a:fld id="{278A5455-5AAE-489A-A8BF-C31CE436D776}" type="datetimeFigureOut">
+            <a:fld id="{B7F0904C-055E-4899-83A9-DC4A220E4088}" type="datetimeFigureOut">
               <a:rPr lang="zh-CN" altLang="en-US" smtClean="0"/>
               <a:t>2024/3/10</a:t>
             </a:fld>
@@ -1962,7 +1962,7 @@
           <p:cNvPr id="4" name="页脚占位符 3">
             <a:extLst>
               <a:ext uri="{FF2B5EF4-FFF2-40B4-BE49-F238E27FC236}">
-                <a16:creationId xmlns:a16="http://schemas.microsoft.com/office/drawing/2014/main" id="{F5A89B90-FA44-4F13-63B5-8D0664884CBF}"/>
+                <a16:creationId xmlns:a16="http://schemas.microsoft.com/office/drawing/2014/main" id="{EFAE8C5A-82DF-534A-6605-B90268A71DE1}"/>
               </a:ext>
             </a:extLst>
           </p:cNvPr>
@@ -1987,7 +1987,7 @@
           <p:cNvPr id="5" name="灯片编号占位符 4">
             <a:extLst>
               <a:ext uri="{FF2B5EF4-FFF2-40B4-BE49-F238E27FC236}">
-                <a16:creationId xmlns:a16="http://schemas.microsoft.com/office/drawing/2014/main" id="{B13E939A-3F73-CC49-8C98-7001B3D368B0}"/>
+                <a16:creationId xmlns:a16="http://schemas.microsoft.com/office/drawing/2014/main" id="{457CC859-4CB9-0D6A-AE3C-9A9CF7875311}"/>
               </a:ext>
             </a:extLst>
           </p:cNvPr>
@@ -2003,7 +2003,7 @@
           <a:bodyPr/>
           <a:lstStyle/>
           <a:p>
-            <a:fld id="{1E23405B-061B-419D-BD51-52C0676FF025}" type="slidenum">
+            <a:fld id="{FF43149C-9896-4732-AE9C-753831510A65}" type="slidenum">
               <a:rPr lang="zh-CN" altLang="en-US" smtClean="0"/>
               <a:t>‹#›</a:t>
             </a:fld>
@@ -2014,7 +2014,7 @@
     </p:spTree>
     <p:extLst>
       <p:ext uri="{BB962C8B-B14F-4D97-AF65-F5344CB8AC3E}">
-        <p14:creationId xmlns:p14="http://schemas.microsoft.com/office/powerpoint/2010/main" val="3839015777"/>
+        <p14:creationId xmlns:p14="http://schemas.microsoft.com/office/powerpoint/2010/main" val="4081708257"/>
       </p:ext>
     </p:extLst>
   </p:cSld>
@@ -2046,7 +2046,7 @@
           <p:cNvPr id="2" name="日期占位符 1">
             <a:extLst>
               <a:ext uri="{FF2B5EF4-FFF2-40B4-BE49-F238E27FC236}">
-                <a16:creationId xmlns:a16="http://schemas.microsoft.com/office/drawing/2014/main" id="{453BE334-76A9-651C-39DC-59AC75D054DA}"/>
+                <a16:creationId xmlns:a16="http://schemas.microsoft.com/office/drawing/2014/main" id="{D7D91CA6-D6E9-96E7-5D71-566DBA1B5D1B}"/>
               </a:ext>
             </a:extLst>
           </p:cNvPr>
@@ -2062,7 +2062,7 @@
           <a:bodyPr/>
           <a:lstStyle/>
           <a:p>
-            <a:fld id="{278A5455-5AAE-489A-A8BF-C31CE436D776}" type="datetimeFigureOut">
+            <a:fld id="{B7F0904C-055E-4899-83A9-DC4A220E4088}" type="datetimeFigureOut">
               <a:rPr lang="zh-CN" altLang="en-US" smtClean="0"/>
               <a:t>2024/3/10</a:t>
             </a:fld>
@@ -2075,7 +2075,7 @@
           <p:cNvPr id="3" name="页脚占位符 2">
             <a:extLst>
               <a:ext uri="{FF2B5EF4-FFF2-40B4-BE49-F238E27FC236}">
-                <a16:creationId xmlns:a16="http://schemas.microsoft.com/office/drawing/2014/main" id="{4E2A3167-B46F-B9CA-3EBF-71CD0084F2E0}"/>
+                <a16:creationId xmlns:a16="http://schemas.microsoft.com/office/drawing/2014/main" id="{ACAF4F9B-B3FC-2C70-3387-22D0A29A1D9A}"/>
               </a:ext>
             </a:extLst>
           </p:cNvPr>
@@ -2100,7 +2100,7 @@
           <p:cNvPr id="4" name="灯片编号占位符 3">
             <a:extLst>
               <a:ext uri="{FF2B5EF4-FFF2-40B4-BE49-F238E27FC236}">
-                <a16:creationId xmlns:a16="http://schemas.microsoft.com/office/drawing/2014/main" id="{115BEA52-53E5-768C-ACCE-A35EB7893ECB}"/>
+                <a16:creationId xmlns:a16="http://schemas.microsoft.com/office/drawing/2014/main" id="{9E07BC00-B715-4375-1A7E-1BB4C705A0B9}"/>
               </a:ext>
             </a:extLst>
           </p:cNvPr>
@@ -2116,7 +2116,7 @@
           <a:bodyPr/>
           <a:lstStyle/>
           <a:p>
-            <a:fld id="{1E23405B-061B-419D-BD51-52C0676FF025}" type="slidenum">
+            <a:fld id="{FF43149C-9896-4732-AE9C-753831510A65}" type="slidenum">
               <a:rPr lang="zh-CN" altLang="en-US" smtClean="0"/>
               <a:t>‹#›</a:t>
             </a:fld>
@@ -2127,7 +2127,7 @@
     </p:spTree>
     <p:extLst>
       <p:ext uri="{BB962C8B-B14F-4D97-AF65-F5344CB8AC3E}">
-        <p14:creationId xmlns:p14="http://schemas.microsoft.com/office/powerpoint/2010/main" val="1393822224"/>
+        <p14:creationId xmlns:p14="http://schemas.microsoft.com/office/powerpoint/2010/main" val="2272814244"/>
       </p:ext>
     </p:extLst>
   </p:cSld>
@@ -2159,7 +2159,7 @@
           <p:cNvPr id="2" name="标题 1">
             <a:extLst>
               <a:ext uri="{FF2B5EF4-FFF2-40B4-BE49-F238E27FC236}">
-                <a16:creationId xmlns:a16="http://schemas.microsoft.com/office/drawing/2014/main" id="{ED930B98-B1BD-C9B2-0047-6607A0B9CA5F}"/>
+                <a16:creationId xmlns:a16="http://schemas.microsoft.com/office/drawing/2014/main" id="{84BEFADB-B811-82AE-DD27-228911E885A7}"/>
               </a:ext>
             </a:extLst>
           </p:cNvPr>
@@ -2196,7 +2196,7 @@
           <p:cNvPr id="3" name="内容占位符 2">
             <a:extLst>
               <a:ext uri="{FF2B5EF4-FFF2-40B4-BE49-F238E27FC236}">
-                <a16:creationId xmlns:a16="http://schemas.microsoft.com/office/drawing/2014/main" id="{DF7C48F4-DDD0-58E0-89CE-24EA6E322743}"/>
+                <a16:creationId xmlns:a16="http://schemas.microsoft.com/office/drawing/2014/main" id="{B05D8746-CD2D-C359-95EC-B22DA432FE3A}"/>
               </a:ext>
             </a:extLst>
           </p:cNvPr>
@@ -2286,7 +2286,7 @@
           <p:cNvPr id="4" name="文本占位符 3">
             <a:extLst>
               <a:ext uri="{FF2B5EF4-FFF2-40B4-BE49-F238E27FC236}">
-                <a16:creationId xmlns:a16="http://schemas.microsoft.com/office/drawing/2014/main" id="{01DB7049-E116-2ABB-2615-5B5CD4ED911E}"/>
+                <a16:creationId xmlns:a16="http://schemas.microsoft.com/office/drawing/2014/main" id="{3DC87055-F0D6-F8D5-4912-7D5B83FADAD8}"/>
               </a:ext>
             </a:extLst>
           </p:cNvPr>
@@ -2357,7 +2357,7 @@
           <p:cNvPr id="5" name="日期占位符 4">
             <a:extLst>
               <a:ext uri="{FF2B5EF4-FFF2-40B4-BE49-F238E27FC236}">
-                <a16:creationId xmlns:a16="http://schemas.microsoft.com/office/drawing/2014/main" id="{4E659658-7C49-419E-74A0-ABD6C3E097A5}"/>
+                <a16:creationId xmlns:a16="http://schemas.microsoft.com/office/drawing/2014/main" id="{BF505979-1E34-A7F7-B728-B1190E41C1E2}"/>
               </a:ext>
             </a:extLst>
           </p:cNvPr>
@@ -2373,7 +2373,7 @@
           <a:bodyPr/>
           <a:lstStyle/>
           <a:p>
-            <a:fld id="{278A5455-5AAE-489A-A8BF-C31CE436D776}" type="datetimeFigureOut">
+            <a:fld id="{B7F0904C-055E-4899-83A9-DC4A220E4088}" type="datetimeFigureOut">
               <a:rPr lang="zh-CN" altLang="en-US" smtClean="0"/>
               <a:t>2024/3/10</a:t>
             </a:fld>
@@ -2386,7 +2386,7 @@
           <p:cNvPr id="6" name="页脚占位符 5">
             <a:extLst>
               <a:ext uri="{FF2B5EF4-FFF2-40B4-BE49-F238E27FC236}">
-                <a16:creationId xmlns:a16="http://schemas.microsoft.com/office/drawing/2014/main" id="{F2F71961-9BA1-26C3-A85B-B83171DB335A}"/>
+                <a16:creationId xmlns:a16="http://schemas.microsoft.com/office/drawing/2014/main" id="{CAA3F061-02A0-6F8F-6152-74901E1B04BC}"/>
               </a:ext>
             </a:extLst>
           </p:cNvPr>
@@ -2411,7 +2411,7 @@
           <p:cNvPr id="7" name="灯片编号占位符 6">
             <a:extLst>
               <a:ext uri="{FF2B5EF4-FFF2-40B4-BE49-F238E27FC236}">
-                <a16:creationId xmlns:a16="http://schemas.microsoft.com/office/drawing/2014/main" id="{53D95FC4-0794-2722-BD24-4D86724C274B}"/>
+                <a16:creationId xmlns:a16="http://schemas.microsoft.com/office/drawing/2014/main" id="{FFB409CD-12DA-45B3-D7C3-6543DC59EE36}"/>
               </a:ext>
             </a:extLst>
           </p:cNvPr>
@@ -2427,7 +2427,7 @@
           <a:bodyPr/>
           <a:lstStyle/>
           <a:p>
-            <a:fld id="{1E23405B-061B-419D-BD51-52C0676FF025}" type="slidenum">
+            <a:fld id="{FF43149C-9896-4732-AE9C-753831510A65}" type="slidenum">
               <a:rPr lang="zh-CN" altLang="en-US" smtClean="0"/>
               <a:t>‹#›</a:t>
             </a:fld>
@@ -2438,7 +2438,7 @@
     </p:spTree>
     <p:extLst>
       <p:ext uri="{BB962C8B-B14F-4D97-AF65-F5344CB8AC3E}">
-        <p14:creationId xmlns:p14="http://schemas.microsoft.com/office/powerpoint/2010/main" val="3232530996"/>
+        <p14:creationId xmlns:p14="http://schemas.microsoft.com/office/powerpoint/2010/main" val="1657532132"/>
       </p:ext>
     </p:extLst>
   </p:cSld>
@@ -2470,7 +2470,7 @@
           <p:cNvPr id="2" name="标题 1">
             <a:extLst>
               <a:ext uri="{FF2B5EF4-FFF2-40B4-BE49-F238E27FC236}">
-                <a16:creationId xmlns:a16="http://schemas.microsoft.com/office/drawing/2014/main" id="{436253D9-4AFB-3EAE-2467-05430262AE18}"/>
+                <a16:creationId xmlns:a16="http://schemas.microsoft.com/office/drawing/2014/main" id="{480A4171-E0CF-3F5F-39AD-4181487CEB27}"/>
               </a:ext>
             </a:extLst>
           </p:cNvPr>
@@ -2507,7 +2507,7 @@
           <p:cNvPr id="3" name="图片占位符 2">
             <a:extLst>
               <a:ext uri="{FF2B5EF4-FFF2-40B4-BE49-F238E27FC236}">
-                <a16:creationId xmlns:a16="http://schemas.microsoft.com/office/drawing/2014/main" id="{5398C4D4-ED20-3727-1CEE-12A2B5EED84D}"/>
+                <a16:creationId xmlns:a16="http://schemas.microsoft.com/office/drawing/2014/main" id="{8B1E4379-9D97-DC47-4CC5-09BF581DC362}"/>
               </a:ext>
             </a:extLst>
           </p:cNvPr>
@@ -2574,7 +2574,7 @@
           <p:cNvPr id="4" name="文本占位符 3">
             <a:extLst>
               <a:ext uri="{FF2B5EF4-FFF2-40B4-BE49-F238E27FC236}">
-                <a16:creationId xmlns:a16="http://schemas.microsoft.com/office/drawing/2014/main" id="{66D8FEE8-4250-F052-1C3A-7A0188EE1E43}"/>
+                <a16:creationId xmlns:a16="http://schemas.microsoft.com/office/drawing/2014/main" id="{672D8612-E163-5B39-9C04-EC4C68565202}"/>
               </a:ext>
             </a:extLst>
           </p:cNvPr>
@@ -2645,7 +2645,7 @@
           <p:cNvPr id="5" name="日期占位符 4">
             <a:extLst>
               <a:ext uri="{FF2B5EF4-FFF2-40B4-BE49-F238E27FC236}">
-                <a16:creationId xmlns:a16="http://schemas.microsoft.com/office/drawing/2014/main" id="{3A19ED56-20FC-F428-2EB3-1644207F0AE1}"/>
+                <a16:creationId xmlns:a16="http://schemas.microsoft.com/office/drawing/2014/main" id="{F2E10A79-5814-015E-5A44-5A467517AE3B}"/>
               </a:ext>
             </a:extLst>
           </p:cNvPr>
@@ -2661,7 +2661,7 @@
           <a:bodyPr/>
           <a:lstStyle/>
           <a:p>
-            <a:fld id="{278A5455-5AAE-489A-A8BF-C31CE436D776}" type="datetimeFigureOut">
+            <a:fld id="{B7F0904C-055E-4899-83A9-DC4A220E4088}" type="datetimeFigureOut">
               <a:rPr lang="zh-CN" altLang="en-US" smtClean="0"/>
               <a:t>2024/3/10</a:t>
             </a:fld>
@@ -2674,7 +2674,7 @@
           <p:cNvPr id="6" name="页脚占位符 5">
             <a:extLst>
               <a:ext uri="{FF2B5EF4-FFF2-40B4-BE49-F238E27FC236}">
-                <a16:creationId xmlns:a16="http://schemas.microsoft.com/office/drawing/2014/main" id="{1D5E5928-46CF-DCF4-1889-AAF5B31F0DB4}"/>
+                <a16:creationId xmlns:a16="http://schemas.microsoft.com/office/drawing/2014/main" id="{1D54DBE9-3F49-7720-86A4-49B032F19840}"/>
               </a:ext>
             </a:extLst>
           </p:cNvPr>
@@ -2699,7 +2699,7 @@
           <p:cNvPr id="7" name="灯片编号占位符 6">
             <a:extLst>
               <a:ext uri="{FF2B5EF4-FFF2-40B4-BE49-F238E27FC236}">
-                <a16:creationId xmlns:a16="http://schemas.microsoft.com/office/drawing/2014/main" id="{837147AE-CEF0-A89A-64AC-332744E96751}"/>
+                <a16:creationId xmlns:a16="http://schemas.microsoft.com/office/drawing/2014/main" id="{EE967D0D-7A82-A92B-F356-15AA35B477C1}"/>
               </a:ext>
             </a:extLst>
           </p:cNvPr>
@@ -2715,7 +2715,7 @@
           <a:bodyPr/>
           <a:lstStyle/>
           <a:p>
-            <a:fld id="{1E23405B-061B-419D-BD51-52C0676FF025}" type="slidenum">
+            <a:fld id="{FF43149C-9896-4732-AE9C-753831510A65}" type="slidenum">
               <a:rPr lang="zh-CN" altLang="en-US" smtClean="0"/>
               <a:t>‹#›</a:t>
             </a:fld>
@@ -2726,7 +2726,7 @@
     </p:spTree>
     <p:extLst>
       <p:ext uri="{BB962C8B-B14F-4D97-AF65-F5344CB8AC3E}">
-        <p14:creationId xmlns:p14="http://schemas.microsoft.com/office/powerpoint/2010/main" val="4104119991"/>
+        <p14:creationId xmlns:p14="http://schemas.microsoft.com/office/powerpoint/2010/main" val="1014754653"/>
       </p:ext>
     </p:extLst>
   </p:cSld>
@@ -2763,7 +2763,7 @@
           <p:cNvPr id="2" name="标题占位符 1">
             <a:extLst>
               <a:ext uri="{FF2B5EF4-FFF2-40B4-BE49-F238E27FC236}">
-                <a16:creationId xmlns:a16="http://schemas.microsoft.com/office/drawing/2014/main" id="{25AEDA09-BBC9-EC66-DE19-851C45F01DEB}"/>
+                <a16:creationId xmlns:a16="http://schemas.microsoft.com/office/drawing/2014/main" id="{A795B85F-B3A6-2747-051D-241007E6152C}"/>
               </a:ext>
             </a:extLst>
           </p:cNvPr>
@@ -2801,7 +2801,7 @@
           <p:cNvPr id="3" name="文本占位符 2">
             <a:extLst>
               <a:ext uri="{FF2B5EF4-FFF2-40B4-BE49-F238E27FC236}">
-                <a16:creationId xmlns:a16="http://schemas.microsoft.com/office/drawing/2014/main" id="{BD3A0582-AC47-49AA-2A19-CFD036E0496A}"/>
+                <a16:creationId xmlns:a16="http://schemas.microsoft.com/office/drawing/2014/main" id="{CA00FFFB-C9A1-B61A-41C1-D302778C9C20}"/>
               </a:ext>
             </a:extLst>
           </p:cNvPr>
@@ -2868,7 +2868,7 @@
           <p:cNvPr id="4" name="日期占位符 3">
             <a:extLst>
               <a:ext uri="{FF2B5EF4-FFF2-40B4-BE49-F238E27FC236}">
-                <a16:creationId xmlns:a16="http://schemas.microsoft.com/office/drawing/2014/main" id="{4F22F29C-9555-5CFF-109D-4C5F62E58C85}"/>
+                <a16:creationId xmlns:a16="http://schemas.microsoft.com/office/drawing/2014/main" id="{185A2179-2FF1-7A73-03E0-9D50D999A2F5}"/>
               </a:ext>
             </a:extLst>
           </p:cNvPr>
@@ -2902,7 +2902,7 @@
             </a:lvl1pPr>
           </a:lstStyle>
           <a:p>
-            <a:fld id="{278A5455-5AAE-489A-A8BF-C31CE436D776}" type="datetimeFigureOut">
+            <a:fld id="{B7F0904C-055E-4899-83A9-DC4A220E4088}" type="datetimeFigureOut">
               <a:rPr lang="zh-CN" altLang="en-US" smtClean="0"/>
               <a:t>2024/3/10</a:t>
             </a:fld>
@@ -2915,7 +2915,7 @@
           <p:cNvPr id="5" name="页脚占位符 4">
             <a:extLst>
               <a:ext uri="{FF2B5EF4-FFF2-40B4-BE49-F238E27FC236}">
-                <a16:creationId xmlns:a16="http://schemas.microsoft.com/office/drawing/2014/main" id="{99E13902-4467-05C2-4273-8759183749C8}"/>
+                <a16:creationId xmlns:a16="http://schemas.microsoft.com/office/drawing/2014/main" id="{A8163ECF-C4B5-46C0-C7CD-229852FDE017}"/>
               </a:ext>
             </a:extLst>
           </p:cNvPr>
@@ -2958,7 +2958,7 @@
           <p:cNvPr id="6" name="灯片编号占位符 5">
             <a:extLst>
               <a:ext uri="{FF2B5EF4-FFF2-40B4-BE49-F238E27FC236}">
-                <a16:creationId xmlns:a16="http://schemas.microsoft.com/office/drawing/2014/main" id="{1ECB48AD-6AB1-7E02-1945-266395B1A1FF}"/>
+                <a16:creationId xmlns:a16="http://schemas.microsoft.com/office/drawing/2014/main" id="{BC590BAD-F2AD-C20A-D6F1-4A4B447C427F}"/>
               </a:ext>
             </a:extLst>
           </p:cNvPr>
@@ -2992,7 +2992,7 @@
             </a:lvl1pPr>
           </a:lstStyle>
           <a:p>
-            <a:fld id="{1E23405B-061B-419D-BD51-52C0676FF025}" type="slidenum">
+            <a:fld id="{FF43149C-9896-4732-AE9C-753831510A65}" type="slidenum">
               <a:rPr lang="zh-CN" altLang="en-US" smtClean="0"/>
               <a:t>‹#›</a:t>
             </a:fld>
@@ -3003,7 +3003,7 @@
     </p:spTree>
     <p:extLst>
       <p:ext uri="{BB962C8B-B14F-4D97-AF65-F5344CB8AC3E}">
-        <p14:creationId xmlns:p14="http://schemas.microsoft.com/office/powerpoint/2010/main" val="530542869"/>
+        <p14:creationId xmlns:p14="http://schemas.microsoft.com/office/powerpoint/2010/main" val="670390441"/>
       </p:ext>
     </p:extLst>
   </p:cSld>
